--- a/slides_week3.pptx
+++ b/slides_week3.pptx
@@ -6,7 +6,7 @@
     <p:sldMasterId id="2147483668" r:id="rId2"/>
   </p:sldMasterIdLst>
   <p:notesMasterIdLst>
-    <p:notesMasterId r:id="rId14"/>
+    <p:notesMasterId r:id="rId15"/>
   </p:notesMasterIdLst>
   <p:sldIdLst>
     <p:sldId id="256" r:id="rId3"/>
@@ -20,6 +20,7 @@
     <p:sldId id="287" r:id="rId11"/>
     <p:sldId id="258" r:id="rId12"/>
     <p:sldId id="280" r:id="rId13"/>
+    <p:sldId id="289" r:id="rId14"/>
   </p:sldIdLst>
   <p:sldSz cx="9144000" cy="6858000" type="screen4x3"/>
   <p:notesSz cx="6858000" cy="9144000"/>
@@ -219,7 +220,7 @@
           <a:p>
             <a:fld id="{A6A047B4-D057-4D61-95DD-0AC8056FF06C}" type="datetimeFigureOut">
               <a:rPr lang="en-US" smtClean="0"/>
-              <a:t>1/28/2019</a:t>
+              <a:t>1/29/19</a:t>
             </a:fld>
             <a:endParaRPr lang="en-US"/>
           </a:p>
@@ -1025,7 +1026,7 @@
           <a:p>
             <a:fld id="{969E5B3D-10E2-374E-89E1-D76DF1BB5247}" type="datetimeFigureOut">
               <a:rPr lang="en-US" smtClean="0"/>
-              <a:t>1/28/2019</a:t>
+              <a:t>1/29/19</a:t>
             </a:fld>
             <a:endParaRPr lang="en-US"/>
           </a:p>
@@ -1287,7 +1288,7 @@
           <a:p>
             <a:fld id="{969E5B3D-10E2-374E-89E1-D76DF1BB5247}" type="datetimeFigureOut">
               <a:rPr lang="en-US" smtClean="0"/>
-              <a:t>1/28/2019</a:t>
+              <a:t>1/29/19</a:t>
             </a:fld>
             <a:endParaRPr lang="en-US"/>
           </a:p>
@@ -1519,7 +1520,7 @@
           <a:p>
             <a:fld id="{969E5B3D-10E2-374E-89E1-D76DF1BB5247}" type="datetimeFigureOut">
               <a:rPr lang="en-US" smtClean="0"/>
-              <a:t>1/28/2019</a:t>
+              <a:t>1/29/19</a:t>
             </a:fld>
             <a:endParaRPr lang="en-US"/>
           </a:p>
@@ -1859,7 +1860,7 @@
           <a:p>
             <a:fld id="{585D8CC6-5F22-9F42-B211-D5B31A73C596}" type="datetimeFigureOut">
               <a:rPr lang="en-US" smtClean="0"/>
-              <a:t>1/28/2019</a:t>
+              <a:t>1/29/19</a:t>
             </a:fld>
             <a:endParaRPr lang="en-US"/>
           </a:p>
@@ -2121,7 +2122,7 @@
           <a:p>
             <a:fld id="{585D8CC6-5F22-9F42-B211-D5B31A73C596}" type="datetimeFigureOut">
               <a:rPr lang="en-US" smtClean="0"/>
-              <a:t>1/28/2019</a:t>
+              <a:t>1/29/19</a:t>
             </a:fld>
             <a:endParaRPr lang="en-US"/>
           </a:p>
@@ -2350,7 +2351,7 @@
           <a:p>
             <a:fld id="{585D8CC6-5F22-9F42-B211-D5B31A73C596}" type="datetimeFigureOut">
               <a:rPr lang="en-US" smtClean="0"/>
-              <a:t>1/28/2019</a:t>
+              <a:t>1/29/19</a:t>
             </a:fld>
             <a:endParaRPr lang="en-US"/>
           </a:p>
@@ -2548,7 +2549,7 @@
             <a:fld id="{969E5B3D-10E2-374E-89E1-D76DF1BB5247}" type="datetimeFigureOut">
               <a:rPr lang="en-US" smtClean="0"/>
               <a:pPr/>
-              <a:t>1/28/2019</a:t>
+              <a:t>1/29/19</a:t>
             </a:fld>
             <a:endParaRPr lang="en-US" dirty="0"/>
           </a:p>
@@ -3017,7 +3018,7 @@
             <a:fld id="{585D8CC6-5F22-9F42-B211-D5B31A73C596}" type="datetimeFigureOut">
               <a:rPr lang="en-US" smtClean="0"/>
               <a:pPr/>
-              <a:t>1/28/2019</a:t>
+              <a:t>1/29/19</a:t>
             </a:fld>
             <a:endParaRPr lang="en-US" dirty="0"/>
           </a:p>
@@ -3709,6 +3710,123 @@
 </p:sld>
 </file>
 
+<file path=ppt/slides/slide12.xml><?xml version="1.0" encoding="utf-8"?>
+<p:sld xmlns:a="http://schemas.openxmlformats.org/drawingml/2006/main" xmlns:r="http://schemas.openxmlformats.org/officeDocument/2006/relationships" xmlns:p="http://schemas.openxmlformats.org/presentationml/2006/main">
+  <p:cSld>
+    <p:spTree>
+      <p:nvGrpSpPr>
+        <p:cNvPr id="1" name=""/>
+        <p:cNvGrpSpPr/>
+        <p:nvPr/>
+      </p:nvGrpSpPr>
+      <p:grpSpPr>
+        <a:xfrm>
+          <a:off x="0" y="0"/>
+          <a:ext cx="0" cy="0"/>
+          <a:chOff x="0" y="0"/>
+          <a:chExt cx="0" cy="0"/>
+        </a:xfrm>
+      </p:grpSpPr>
+      <p:sp>
+        <p:nvSpPr>
+          <p:cNvPr id="2" name="Title 1">
+            <a:extLst>
+              <a:ext uri="{FF2B5EF4-FFF2-40B4-BE49-F238E27FC236}">
+                <a16:creationId xmlns:a16="http://schemas.microsoft.com/office/drawing/2014/main" id="{0B539781-3148-874D-B75D-17B1E60ECFF1}"/>
+              </a:ext>
+            </a:extLst>
+          </p:cNvPr>
+          <p:cNvSpPr>
+            <a:spLocks noGrp="1"/>
+          </p:cNvSpPr>
+          <p:nvPr>
+            <p:ph type="title"/>
+          </p:nvPr>
+        </p:nvSpPr>
+        <p:spPr/>
+        <p:txBody>
+          <a:bodyPr/>
+          <a:lstStyle/>
+          <a:p>
+            <a:r>
+              <a:rPr lang="en-US" altLang="zh-CN" dirty="0"/>
+              <a:t>References:</a:t>
+            </a:r>
+            <a:endParaRPr lang="en-US" dirty="0"/>
+          </a:p>
+        </p:txBody>
+      </p:sp>
+      <p:sp>
+        <p:nvSpPr>
+          <p:cNvPr id="3" name="Content Placeholder 2">
+            <a:extLst>
+              <a:ext uri="{FF2B5EF4-FFF2-40B4-BE49-F238E27FC236}">
+                <a16:creationId xmlns:a16="http://schemas.microsoft.com/office/drawing/2014/main" id="{4C801A81-1A04-094E-A8A0-E73814FA9692}"/>
+              </a:ext>
+            </a:extLst>
+          </p:cNvPr>
+          <p:cNvSpPr>
+            <a:spLocks noGrp="1"/>
+          </p:cNvSpPr>
+          <p:nvPr>
+            <p:ph idx="1"/>
+          </p:nvPr>
+        </p:nvSpPr>
+        <p:spPr/>
+        <p:txBody>
+          <a:bodyPr/>
+          <a:lstStyle/>
+          <a:p>
+            <a:r>
+              <a:rPr lang="en-US" dirty="0">
+                <a:hlinkClick r:id="rId2"/>
+              </a:rPr>
+              <a:t>https://towardsdatascience.com/beyond-accuracy-precision-and-recall-3da06bea9f6c</a:t>
+            </a:r>
+            <a:endParaRPr lang="en-US" dirty="0"/>
+          </a:p>
+          <a:p>
+            <a:r>
+              <a:rPr lang="en-US" dirty="0">
+                <a:hlinkClick r:id="rId3"/>
+              </a:rPr>
+              <a:t>https://towardsdatascience.com/accuracy-precision-recall-or-f1-331fb37c5cb9</a:t>
+            </a:r>
+            <a:endParaRPr lang="en-US" dirty="0"/>
+          </a:p>
+          <a:p>
+            <a:r>
+              <a:rPr lang="en-US" dirty="0">
+                <a:hlinkClick r:id="rId4"/>
+              </a:rPr>
+              <a:t>https://github.com</a:t>
+            </a:r>
+            <a:r>
+              <a:rPr lang="en-US">
+                <a:hlinkClick r:id="rId4"/>
+              </a:rPr>
+              <a:t>/yingjun2/IS590dt-19SP</a:t>
+            </a:r>
+            <a:endParaRPr lang="en-US"/>
+          </a:p>
+          <a:p>
+            <a:endParaRPr lang="en-US"/>
+          </a:p>
+        </p:txBody>
+      </p:sp>
+    </p:spTree>
+    <p:extLst>
+      <p:ext uri="{BB962C8B-B14F-4D97-AF65-F5344CB8AC3E}">
+        <p14:creationId xmlns:p14="http://schemas.microsoft.com/office/powerpoint/2010/main" val="597496627"/>
+      </p:ext>
+    </p:extLst>
+  </p:cSld>
+  <p:clrMapOvr>
+    <a:masterClrMapping/>
+  </p:clrMapOvr>
+</p:sld>
+</file>
+
 <file path=ppt/slides/slide2.xml><?xml version="1.0" encoding="utf-8"?>
 <p:sld xmlns:a="http://schemas.openxmlformats.org/drawingml/2006/main" xmlns:r="http://schemas.openxmlformats.org/officeDocument/2006/relationships" xmlns:p="http://schemas.openxmlformats.org/presentationml/2006/main">
   <p:cSld>
@@ -4081,12 +4199,53 @@
             <p:ph type="title"/>
           </p:nvPr>
         </p:nvSpPr>
-        <p:spPr/>
+        <p:spPr>
+          <a:xfrm>
+            <a:off x="206484" y="274638"/>
+            <a:ext cx="8229600" cy="1143000"/>
+          </a:xfrm>
+        </p:spPr>
         <p:txBody>
           <a:bodyPr/>
           <a:lstStyle/>
           <a:p>
-            <a:endParaRPr lang="en-US"/>
+            <a:r>
+              <a:rPr lang="en-US" altLang="zh-CN" dirty="0"/>
+              <a:t>How</a:t>
+            </a:r>
+            <a:r>
+              <a:rPr lang="zh-CN" altLang="en-US" dirty="0"/>
+              <a:t> </a:t>
+            </a:r>
+            <a:r>
+              <a:rPr lang="en-US" altLang="zh-CN" dirty="0"/>
+              <a:t>to</a:t>
+            </a:r>
+            <a:r>
+              <a:rPr lang="zh-CN" altLang="en-US" dirty="0"/>
+              <a:t> </a:t>
+            </a:r>
+            <a:r>
+              <a:rPr lang="en-US" altLang="zh-CN" dirty="0"/>
+              <a:t>evaluate</a:t>
+            </a:r>
+            <a:r>
+              <a:rPr lang="zh-CN" altLang="en-US" dirty="0"/>
+              <a:t> </a:t>
+            </a:r>
+            <a:r>
+              <a:rPr lang="en-US" altLang="zh-CN" dirty="0"/>
+              <a:t>a</a:t>
+            </a:r>
+            <a:r>
+              <a:rPr lang="zh-CN" altLang="en-US" dirty="0"/>
+              <a:t> </a:t>
+            </a:r>
+            <a:r>
+              <a:rPr lang="en-US" altLang="zh-CN" dirty="0"/>
+              <a:t>classification?</a:t>
+            </a:r>
+            <a:endParaRPr lang="en-US" dirty="0"/>
           </a:p>
         </p:txBody>
       </p:sp>
@@ -4111,10 +4270,169 @@
           <a:bodyPr/>
           <a:lstStyle/>
           <a:p>
+            <a:r>
+              <a:rPr lang="en-US" altLang="zh-CN" dirty="0"/>
+              <a:t>Classification</a:t>
+            </a:r>
+            <a:r>
+              <a:rPr lang="zh-CN" altLang="en-US" dirty="0"/>
+              <a:t> </a:t>
+            </a:r>
+            <a:r>
+              <a:rPr lang="en-US" altLang="zh-CN" dirty="0"/>
+              <a:t>vs</a:t>
+            </a:r>
+            <a:r>
+              <a:rPr lang="zh-CN" altLang="en-US" dirty="0"/>
+              <a:t> </a:t>
+            </a:r>
+            <a:r>
+              <a:rPr lang="en-US" altLang="zh-CN" dirty="0"/>
+              <a:t>Clustering?</a:t>
+            </a:r>
+            <a:r>
+              <a:rPr lang="zh-CN" altLang="en-US" dirty="0"/>
+              <a:t> </a:t>
+            </a:r>
+            <a:endParaRPr lang="en-US" altLang="zh-CN" dirty="0"/>
+          </a:p>
+          <a:p>
+            <a:r>
+              <a:rPr lang="en-US" altLang="zh-CN" dirty="0"/>
+              <a:t>How</a:t>
+            </a:r>
+            <a:r>
+              <a:rPr lang="zh-CN" altLang="en-US" dirty="0"/>
+              <a:t> </a:t>
+            </a:r>
+            <a:r>
+              <a:rPr lang="en-US" altLang="zh-CN" dirty="0"/>
+              <a:t>to</a:t>
+            </a:r>
+            <a:r>
+              <a:rPr lang="zh-CN" altLang="en-US" dirty="0"/>
+              <a:t> </a:t>
+            </a:r>
+            <a:r>
+              <a:rPr lang="en-US" altLang="zh-CN" dirty="0"/>
+              <a:t>evaluate</a:t>
+            </a:r>
+            <a:r>
+              <a:rPr lang="zh-CN" altLang="en-US" dirty="0"/>
+              <a:t> </a:t>
+            </a:r>
+            <a:r>
+              <a:rPr lang="en-US" altLang="zh-CN" dirty="0"/>
+              <a:t>the</a:t>
+            </a:r>
+            <a:r>
+              <a:rPr lang="zh-CN" altLang="en-US" dirty="0"/>
+              <a:t> </a:t>
+            </a:r>
+            <a:r>
+              <a:rPr lang="en-US" altLang="zh-CN" dirty="0"/>
+              <a:t>classification.</a:t>
+            </a:r>
+            <a:r>
+              <a:rPr lang="zh-CN" altLang="en-US" dirty="0"/>
+              <a:t> </a:t>
+            </a:r>
+            <a:r>
+              <a:rPr lang="en-US" altLang="zh-CN" dirty="0"/>
+              <a:t>What</a:t>
+            </a:r>
+            <a:r>
+              <a:rPr lang="zh-CN" altLang="en-US" dirty="0"/>
+              <a:t> </a:t>
+            </a:r>
+            <a:r>
+              <a:rPr lang="en-US" altLang="zh-CN" dirty="0"/>
+              <a:t>is</a:t>
+            </a:r>
+            <a:r>
+              <a:rPr lang="zh-CN" altLang="en-US" dirty="0"/>
+              <a:t> </a:t>
+            </a:r>
+            <a:r>
+              <a:rPr lang="en-US" altLang="zh-CN" dirty="0"/>
+              <a:t>good?</a:t>
+            </a:r>
+          </a:p>
+          <a:p>
+            <a:r>
+              <a:rPr lang="en-US" altLang="zh-CN" dirty="0" err="1"/>
+              <a:t>Eg</a:t>
+            </a:r>
+            <a:r>
+              <a:rPr lang="en-US" altLang="zh-CN" dirty="0"/>
+              <a:t>:</a:t>
+            </a:r>
+            <a:r>
+              <a:rPr lang="zh-CN" altLang="en-US" dirty="0"/>
+              <a:t> </a:t>
+            </a:r>
+            <a:r>
+              <a:rPr lang="en-US" altLang="zh-CN" dirty="0"/>
+              <a:t>a</a:t>
+            </a:r>
+            <a:r>
+              <a:rPr lang="zh-CN" altLang="en-US" dirty="0"/>
+              <a:t> </a:t>
+            </a:r>
+            <a:r>
+              <a:rPr lang="en-US" altLang="zh-CN" dirty="0"/>
+              <a:t>simple</a:t>
+            </a:r>
+            <a:r>
+              <a:rPr lang="zh-CN" altLang="en-US" dirty="0"/>
+              <a:t> </a:t>
+            </a:r>
+            <a:r>
+              <a:rPr lang="en-US" altLang="zh-CN" dirty="0"/>
+              <a:t>confusion</a:t>
+            </a:r>
+            <a:r>
+              <a:rPr lang="zh-CN" altLang="en-US" dirty="0"/>
+              <a:t> </a:t>
+            </a:r>
+            <a:r>
+              <a:rPr lang="en-US" altLang="zh-CN" dirty="0"/>
+              <a:t>matrix.</a:t>
+            </a:r>
             <a:endParaRPr lang="en-US" dirty="0"/>
           </a:p>
         </p:txBody>
       </p:sp>
+      <p:pic>
+        <p:nvPicPr>
+          <p:cNvPr id="4" name="Picture 3">
+            <a:extLst>
+              <a:ext uri="{FF2B5EF4-FFF2-40B4-BE49-F238E27FC236}">
+                <a16:creationId xmlns:a16="http://schemas.microsoft.com/office/drawing/2014/main" id="{3CE5AC79-3F4A-E24C-8951-D1F1272C77F3}"/>
+              </a:ext>
+            </a:extLst>
+          </p:cNvPr>
+          <p:cNvPicPr>
+            <a:picLocks noChangeAspect="1"/>
+          </p:cNvPicPr>
+          <p:nvPr/>
+        </p:nvPicPr>
+        <p:blipFill>
+          <a:blip r:embed="rId2"/>
+          <a:stretch>
+            <a:fillRect/>
+          </a:stretch>
+        </p:blipFill>
+        <p:spPr>
+          <a:xfrm>
+            <a:off x="1360265" y="3944321"/>
+            <a:ext cx="6423471" cy="1868265"/>
+          </a:xfrm>
+          <a:prstGeom prst="rect">
+            <a:avLst/>
+          </a:prstGeom>
+        </p:spPr>
+      </p:pic>
     </p:spTree>
     <p:extLst>
       <p:ext uri="{BB962C8B-B14F-4D97-AF65-F5344CB8AC3E}">
